--- a/Docs/공모전_발표자료.pptx
+++ b/Docs/공모전_발표자료.pptx
@@ -16,23 +16,24 @@
     <p:sldId id="261" r:id="rId11"/>
     <p:sldId id="262" r:id="rId12"/>
     <p:sldId id="263" r:id="rId13"/>
+    <p:sldId id="264" r:id="rId14"/>
   </p:sldIdLst>
   <p:sldSz cy="5143500" cx="9144000"/>
   <p:notesSz cx="6858000" cy="9144000"/>
   <p:embeddedFontLst>
     <p:embeddedFont>
       <p:font typeface="Roboto"/>
-      <p:regular r:id="rId14"/>
-      <p:bold r:id="rId15"/>
-      <p:italic r:id="rId16"/>
-      <p:boldItalic r:id="rId17"/>
+      <p:regular r:id="rId15"/>
+      <p:bold r:id="rId16"/>
+      <p:italic r:id="rId17"/>
+      <p:boldItalic r:id="rId18"/>
     </p:embeddedFont>
     <p:embeddedFont>
       <p:font typeface="Merriweather"/>
-      <p:regular r:id="rId18"/>
-      <p:bold r:id="rId19"/>
-      <p:italic r:id="rId20"/>
-      <p:boldItalic r:id="rId21"/>
+      <p:regular r:id="rId19"/>
+      <p:bold r:id="rId20"/>
+      <p:italic r:id="rId21"/>
+      <p:boldItalic r:id="rId22"/>
     </p:embeddedFont>
   </p:embeddedFontLst>
   <p:defaultTextStyle>
@@ -1124,7 +1125,7 @@
       </p:grpSpPr>
       <p:sp>
         <p:nvSpPr>
-          <p:cNvPr id="96" name="Google Shape;96;g1030fea6fa8_2_23:notes"/>
+          <p:cNvPr id="96" name="Google Shape;96;g1030fea6fa8_2_537:notes"/>
           <p:cNvSpPr/>
           <p:nvPr>
             <p:ph idx="2" type="sldImg"/>
@@ -1159,7 +1160,7 @@
       </p:sp>
       <p:sp>
         <p:nvSpPr>
-          <p:cNvPr id="97" name="Google Shape;97;g1030fea6fa8_2_23:notes"/>
+          <p:cNvPr id="97" name="Google Shape;97;g1030fea6fa8_2_537:notes"/>
           <p:cNvSpPr txBox="1"/>
           <p:nvPr>
             <p:ph idx="1" type="body"/>
@@ -1209,7 +1210,7 @@
   <p:cSld>
     <p:spTree>
       <p:nvGrpSpPr>
-        <p:cNvPr id="105" name="Shape 105"/>
+        <p:cNvPr id="104" name="Shape 104"/>
         <p:cNvGrpSpPr/>
         <p:nvPr/>
       </p:nvGrpSpPr>
@@ -1223,7 +1224,7 @@
       </p:grpSpPr>
       <p:sp>
         <p:nvSpPr>
-          <p:cNvPr id="106" name="Google Shape;106;g1030fea6fa8_2_34:notes"/>
+          <p:cNvPr id="105" name="Google Shape;105;g1030fea6fa8_2_23:notes"/>
           <p:cNvSpPr/>
           <p:nvPr>
             <p:ph idx="2" type="sldImg"/>
@@ -1258,7 +1259,7 @@
       </p:sp>
       <p:sp>
         <p:nvSpPr>
-          <p:cNvPr id="107" name="Google Shape;107;g1030fea6fa8_2_34:notes"/>
+          <p:cNvPr id="106" name="Google Shape;106;g1030fea6fa8_2_23:notes"/>
           <p:cNvSpPr txBox="1"/>
           <p:nvPr>
             <p:ph idx="1" type="body"/>
@@ -1308,7 +1309,7 @@
   <p:cSld>
     <p:spTree>
       <p:nvGrpSpPr>
-        <p:cNvPr id="111" name="Shape 111"/>
+        <p:cNvPr id="114" name="Shape 114"/>
         <p:cNvGrpSpPr/>
         <p:nvPr/>
       </p:nvGrpSpPr>
@@ -1322,7 +1323,7 @@
       </p:grpSpPr>
       <p:sp>
         <p:nvSpPr>
-          <p:cNvPr id="112" name="Google Shape;112;g1030fea6fa8_2_498:notes"/>
+          <p:cNvPr id="115" name="Google Shape;115;g1030fea6fa8_2_34:notes"/>
           <p:cNvSpPr/>
           <p:nvPr>
             <p:ph idx="2" type="sldImg"/>
@@ -1357,7 +1358,7 @@
       </p:sp>
       <p:sp>
         <p:nvSpPr>
-          <p:cNvPr id="113" name="Google Shape;113;g1030fea6fa8_2_498:notes"/>
+          <p:cNvPr id="116" name="Google Shape;116;g1030fea6fa8_2_34:notes"/>
           <p:cNvSpPr txBox="1"/>
           <p:nvPr>
             <p:ph idx="1" type="body"/>
@@ -1407,7 +1408,7 @@
   <p:cSld>
     <p:spTree>
       <p:nvGrpSpPr>
-        <p:cNvPr id="122" name="Shape 122"/>
+        <p:cNvPr id="120" name="Shape 120"/>
         <p:cNvGrpSpPr/>
         <p:nvPr/>
       </p:nvGrpSpPr>
@@ -1421,7 +1422,7 @@
       </p:grpSpPr>
       <p:sp>
         <p:nvSpPr>
-          <p:cNvPr id="123" name="Google Shape;123;g1030fea6fa8_2_526:notes"/>
+          <p:cNvPr id="121" name="Google Shape;121;g1030fea6fa8_2_498:notes"/>
           <p:cNvSpPr/>
           <p:nvPr>
             <p:ph idx="2" type="sldImg"/>
@@ -1456,7 +1457,106 @@
       </p:sp>
       <p:sp>
         <p:nvSpPr>
-          <p:cNvPr id="124" name="Google Shape;124;g1030fea6fa8_2_526:notes"/>
+          <p:cNvPr id="122" name="Google Shape;122;g1030fea6fa8_2_498:notes"/>
+          <p:cNvSpPr txBox="1"/>
+          <p:nvPr>
+            <p:ph idx="1" type="body"/>
+          </p:nvPr>
+        </p:nvSpPr>
+        <p:spPr>
+          <a:xfrm>
+            <a:off x="685800" y="4343400"/>
+            <a:ext cx="5486400" cy="4114800"/>
+          </a:xfrm>
+          <a:prstGeom prst="rect">
+            <a:avLst/>
+          </a:prstGeom>
+        </p:spPr>
+        <p:txBody>
+          <a:bodyPr anchorCtr="0" anchor="t" bIns="91425" lIns="91425" spcFirstLastPara="1" rIns="91425" wrap="square" tIns="91425">
+            <a:noAutofit/>
+          </a:bodyPr>
+          <a:lstStyle/>
+          <a:p>
+            <a:pPr indent="0" lvl="0" marL="0" rtl="0" algn="l">
+              <a:spcBef>
+                <a:spcPts val="0"/>
+              </a:spcBef>
+              <a:spcAft>
+                <a:spcPts val="0"/>
+              </a:spcAft>
+              <a:buNone/>
+            </a:pPr>
+            <a:r>
+              <a:t/>
+            </a:r>
+            <a:endParaRPr/>
+          </a:p>
+        </p:txBody>
+      </p:sp>
+    </p:spTree>
+  </p:cSld>
+  <p:clrMapOvr>
+    <a:masterClrMapping/>
+  </p:clrMapOvr>
+</p:notes>
+</file>
+
+<file path=ppt/notesSlides/notesSlide9.xml><?xml version="1.0" encoding="utf-8"?>
+<p:notes xmlns:a="http://schemas.openxmlformats.org/drawingml/2006/main" xmlns:r="http://schemas.openxmlformats.org/officeDocument/2006/relationships" xmlns:mc="http://schemas.openxmlformats.org/markup-compatibility/2006" xmlns:mv="urn:schemas-microsoft-com:mac:vml" xmlns:p="http://schemas.openxmlformats.org/presentationml/2006/main" xmlns:c="http://schemas.openxmlformats.org/drawingml/2006/chart" xmlns:dgm="http://schemas.openxmlformats.org/drawingml/2006/diagram" xmlns:o="urn:schemas-microsoft-com:office:office" xmlns:v="urn:schemas-microsoft-com:vml" xmlns:pvml="urn:schemas-microsoft-com:office:powerpoint" xmlns:com="http://schemas.openxmlformats.org/drawingml/2006/compatibility" xmlns:p14="http://schemas.microsoft.com/office/powerpoint/2010/main" xmlns:p15="http://schemas.microsoft.com/office/powerpoint/2012/main" xmlns:ahyp="http://schemas.microsoft.com/office/drawing/2018/hyperlinkcolor" showMasterPhAnim="0" showMasterSp="0">
+  <p:cSld>
+    <p:spTree>
+      <p:nvGrpSpPr>
+        <p:cNvPr id="131" name="Shape 131"/>
+        <p:cNvGrpSpPr/>
+        <p:nvPr/>
+      </p:nvGrpSpPr>
+      <p:grpSpPr>
+        <a:xfrm>
+          <a:off x="0" y="0"/>
+          <a:ext cx="0" cy="0"/>
+          <a:chOff x="0" y="0"/>
+          <a:chExt cx="0" cy="0"/>
+        </a:xfrm>
+      </p:grpSpPr>
+      <p:sp>
+        <p:nvSpPr>
+          <p:cNvPr id="132" name="Google Shape;132;g1030fea6fa8_2_526:notes"/>
+          <p:cNvSpPr/>
+          <p:nvPr>
+            <p:ph idx="2" type="sldImg"/>
+          </p:nvPr>
+        </p:nvSpPr>
+        <p:spPr>
+          <a:xfrm>
+            <a:off x="381300" y="685800"/>
+            <a:ext cx="6096000" cy="3429000"/>
+          </a:xfrm>
+          <a:custGeom>
+            <a:rect b="b" l="l" r="r" t="t"/>
+            <a:pathLst>
+              <a:path extrusionOk="0" h="120000" w="120000">
+                <a:moveTo>
+                  <a:pt x="0" y="0"/>
+                </a:moveTo>
+                <a:lnTo>
+                  <a:pt x="120000" y="0"/>
+                </a:lnTo>
+                <a:lnTo>
+                  <a:pt x="120000" y="120000"/>
+                </a:lnTo>
+                <a:lnTo>
+                  <a:pt x="0" y="120000"/>
+                </a:lnTo>
+                <a:close/>
+              </a:path>
+            </a:pathLst>
+          </a:custGeom>
+        </p:spPr>
+      </p:sp>
+      <p:sp>
+        <p:nvSpPr>
+          <p:cNvPr id="133" name="Google Shape;133;g1030fea6fa8_2_526:notes"/>
           <p:cNvSpPr txBox="1"/>
           <p:nvPr>
             <p:ph idx="1" type="body"/>
@@ -7716,6 +7816,10 @@
                 <a:solidFill>
                   <a:srgbClr val="000000"/>
                 </a:solidFill>
+                <a:latin typeface="Malgun Gothic"/>
+                <a:ea typeface="Malgun Gothic"/>
+                <a:cs typeface="Malgun Gothic"/>
+                <a:sym typeface="Malgun Gothic"/>
               </a:rPr>
               <a:t>대규모, 대량의 설비의 점검 = 예산</a:t>
             </a:r>
@@ -7723,6 +7827,10 @@
               <a:solidFill>
                 <a:srgbClr val="000000"/>
               </a:solidFill>
+              <a:latin typeface="Malgun Gothic"/>
+              <a:ea typeface="Malgun Gothic"/>
+              <a:cs typeface="Malgun Gothic"/>
+              <a:sym typeface="Malgun Gothic"/>
             </a:endParaRPr>
           </a:p>
         </p:txBody>
@@ -7893,10 +8001,10 @@
                 <a:solidFill>
                   <a:schemeClr val="lt1"/>
                 </a:solidFill>
-                <a:latin typeface="Roboto"/>
-                <a:ea typeface="Roboto"/>
-                <a:cs typeface="Roboto"/>
-                <a:sym typeface="Roboto"/>
+                <a:latin typeface="Malgun Gothic"/>
+                <a:ea typeface="Malgun Gothic"/>
+                <a:cs typeface="Malgun Gothic"/>
+                <a:sym typeface="Malgun Gothic"/>
               </a:rPr>
               <a:t>제조 현장에서의 설비 상태가 미치는 영향</a:t>
             </a:r>
@@ -7904,10 +8012,10 @@
               <a:solidFill>
                 <a:schemeClr val="lt1"/>
               </a:solidFill>
-              <a:latin typeface="Roboto"/>
-              <a:ea typeface="Roboto"/>
-              <a:cs typeface="Roboto"/>
-              <a:sym typeface="Roboto"/>
+              <a:latin typeface="Malgun Gothic"/>
+              <a:ea typeface="Malgun Gothic"/>
+              <a:cs typeface="Malgun Gothic"/>
+              <a:sym typeface="Malgun Gothic"/>
             </a:endParaRPr>
           </a:p>
         </p:txBody>
@@ -7951,10 +8059,10 @@
                 <a:solidFill>
                   <a:schemeClr val="lt1"/>
                 </a:solidFill>
-                <a:latin typeface="Roboto"/>
-                <a:ea typeface="Roboto"/>
-                <a:cs typeface="Roboto"/>
-                <a:sym typeface="Roboto"/>
+                <a:latin typeface="Malgun Gothic"/>
+                <a:ea typeface="Malgun Gothic"/>
+                <a:cs typeface="Malgun Gothic"/>
+                <a:sym typeface="Malgun Gothic"/>
               </a:rPr>
               <a:t>4차 산업 혁명 스마트 팩토리 등으로 </a:t>
             </a:r>
@@ -7962,10 +8070,10 @@
               <a:solidFill>
                 <a:schemeClr val="lt1"/>
               </a:solidFill>
-              <a:latin typeface="Roboto"/>
-              <a:ea typeface="Roboto"/>
-              <a:cs typeface="Roboto"/>
-              <a:sym typeface="Roboto"/>
+              <a:latin typeface="Malgun Gothic"/>
+              <a:ea typeface="Malgun Gothic"/>
+              <a:cs typeface="Malgun Gothic"/>
+              <a:sym typeface="Malgun Gothic"/>
             </a:endParaRPr>
           </a:p>
           <a:p>
@@ -7983,21 +8091,21 @@
                 <a:solidFill>
                   <a:schemeClr val="lt1"/>
                 </a:solidFill>
-                <a:latin typeface="Roboto"/>
-                <a:ea typeface="Roboto"/>
-                <a:cs typeface="Roboto"/>
-                <a:sym typeface="Roboto"/>
+                <a:latin typeface="Malgun Gothic"/>
+                <a:ea typeface="Malgun Gothic"/>
+                <a:cs typeface="Malgun Gothic"/>
+                <a:sym typeface="Malgun Gothic"/>
               </a:rPr>
-              <a:t>설비의 점검 시스템 화의 중요성이 증대</a:t>
+              <a:t>설비 점검의 시스템 화 중요성 증대</a:t>
             </a:r>
             <a:endParaRPr sz="1200">
               <a:solidFill>
                 <a:schemeClr val="lt1"/>
               </a:solidFill>
-              <a:latin typeface="Roboto"/>
-              <a:ea typeface="Roboto"/>
-              <a:cs typeface="Roboto"/>
-              <a:sym typeface="Roboto"/>
+              <a:latin typeface="Malgun Gothic"/>
+              <a:ea typeface="Malgun Gothic"/>
+              <a:cs typeface="Malgun Gothic"/>
+              <a:sym typeface="Malgun Gothic"/>
             </a:endParaRPr>
           </a:p>
         </p:txBody>
@@ -8038,18 +8146,18 @@
             </a:pPr>
             <a:r>
               <a:rPr lang="ko">
-                <a:latin typeface="Roboto"/>
-                <a:ea typeface="Roboto"/>
-                <a:cs typeface="Roboto"/>
-                <a:sym typeface="Roboto"/>
+                <a:latin typeface="Malgun Gothic"/>
+                <a:ea typeface="Malgun Gothic"/>
+                <a:cs typeface="Malgun Gothic"/>
+                <a:sym typeface="Malgun Gothic"/>
               </a:rPr>
               <a:t>효율적인 점검 시스템의 필요성 대두</a:t>
             </a:r>
             <a:endParaRPr>
-              <a:latin typeface="Roboto"/>
-              <a:ea typeface="Roboto"/>
-              <a:cs typeface="Roboto"/>
-              <a:sym typeface="Roboto"/>
+              <a:latin typeface="Malgun Gothic"/>
+              <a:ea typeface="Malgun Gothic"/>
+              <a:cs typeface="Malgun Gothic"/>
+              <a:sym typeface="Malgun Gothic"/>
             </a:endParaRPr>
           </a:p>
         </p:txBody>
@@ -8129,7 +8237,7 @@
         </p:nvSpPr>
         <p:spPr>
           <a:xfrm>
-            <a:off x="4644700" y="466125"/>
+            <a:off x="4644700" y="340875"/>
             <a:ext cx="4166400" cy="1513500"/>
           </a:xfrm>
           <a:prstGeom prst="rect">
@@ -8152,10 +8260,20 @@
               <a:buNone/>
             </a:pPr>
             <a:r>
-              <a:rPr lang="ko" sz="1400"/>
+              <a:rPr lang="ko" sz="1400">
+                <a:latin typeface="Malgun Gothic"/>
+                <a:ea typeface="Malgun Gothic"/>
+                <a:cs typeface="Malgun Gothic"/>
+                <a:sym typeface="Malgun Gothic"/>
+              </a:rPr>
               <a:t>AI 모델 활용</a:t>
             </a:r>
-            <a:endParaRPr sz="1400"/>
+            <a:endParaRPr sz="1400">
+              <a:latin typeface="Malgun Gothic"/>
+              <a:ea typeface="Malgun Gothic"/>
+              <a:cs typeface="Malgun Gothic"/>
+              <a:sym typeface="Malgun Gothic"/>
+            </a:endParaRPr>
           </a:p>
           <a:p>
             <a:pPr indent="0" lvl="0" marL="0" rtl="0" algn="ctr">
@@ -8168,10 +8286,20 @@
               <a:buNone/>
             </a:pPr>
             <a:r>
-              <a:rPr lang="ko" sz="1400"/>
+              <a:rPr lang="ko" sz="1400">
+                <a:latin typeface="Malgun Gothic"/>
+                <a:ea typeface="Malgun Gothic"/>
+                <a:cs typeface="Malgun Gothic"/>
+                <a:sym typeface="Malgun Gothic"/>
+              </a:rPr>
               <a:t>점검, 진단, 오작동 조기 예측 과제를 수행시키자! </a:t>
             </a:r>
-            <a:endParaRPr sz="1400"/>
+            <a:endParaRPr sz="1400">
+              <a:latin typeface="Malgun Gothic"/>
+              <a:ea typeface="Malgun Gothic"/>
+              <a:cs typeface="Malgun Gothic"/>
+              <a:sym typeface="Malgun Gothic"/>
+            </a:endParaRPr>
           </a:p>
           <a:p>
             <a:pPr indent="0" lvl="0" marL="0" rtl="0" algn="ctr">
@@ -8186,7 +8314,12 @@
             <a:r>
               <a:t/>
             </a:r>
-            <a:endParaRPr sz="1400"/>
+            <a:endParaRPr b="1" sz="1400" u="sng">
+              <a:latin typeface="Malgun Gothic"/>
+              <a:ea typeface="Malgun Gothic"/>
+              <a:cs typeface="Malgun Gothic"/>
+              <a:sym typeface="Malgun Gothic"/>
+            </a:endParaRPr>
           </a:p>
           <a:p>
             <a:pPr indent="0" lvl="0" marL="0" rtl="0" algn="ctr">
@@ -8199,10 +8332,20 @@
               <a:buNone/>
             </a:pPr>
             <a:r>
-              <a:rPr b="1" lang="ko" sz="1400" u="sng"/>
+              <a:rPr b="1" lang="ko" sz="1400" u="sng">
+                <a:latin typeface="Malgun Gothic"/>
+                <a:ea typeface="Malgun Gothic"/>
+                <a:cs typeface="Malgun Gothic"/>
+                <a:sym typeface="Malgun Gothic"/>
+              </a:rPr>
               <a:t>과제의 선정된 알고리즘</a:t>
             </a:r>
-            <a:endParaRPr b="1" sz="1400" u="sng"/>
+            <a:endParaRPr b="1" sz="1400" u="sng">
+              <a:latin typeface="Malgun Gothic"/>
+              <a:ea typeface="Malgun Gothic"/>
+              <a:cs typeface="Malgun Gothic"/>
+              <a:sym typeface="Malgun Gothic"/>
+            </a:endParaRPr>
           </a:p>
         </p:txBody>
       </p:sp>
@@ -8301,8 +8444,8 @@
         </p:nvSpPr>
         <p:spPr>
           <a:xfrm>
-            <a:off x="4572000" y="2071213"/>
-            <a:ext cx="4166400" cy="2833800"/>
+            <a:off x="4540300" y="2071225"/>
+            <a:ext cx="4375200" cy="2833800"/>
           </a:xfrm>
           <a:prstGeom prst="rect">
             <a:avLst/>
@@ -8332,7 +8475,7 @@
                 <a:schemeClr val="dk2"/>
               </a:buClr>
               <a:buSzPts val="2359"/>
-              <a:buFont typeface="Roboto"/>
+              <a:buFont typeface="Malgun Gothic"/>
               <a:buChar char="-"/>
             </a:pPr>
             <a:r>
@@ -8340,10 +8483,10 @@
                 <a:solidFill>
                   <a:schemeClr val="dk2"/>
                 </a:solidFill>
-                <a:latin typeface="Roboto"/>
-                <a:ea typeface="Roboto"/>
-                <a:cs typeface="Roboto"/>
-                <a:sym typeface="Roboto"/>
+                <a:latin typeface="Malgun Gothic"/>
+                <a:ea typeface="Malgun Gothic"/>
+                <a:cs typeface="Malgun Gothic"/>
+                <a:sym typeface="Malgun Gothic"/>
               </a:rPr>
               <a:t>Random Forest Classifier</a:t>
             </a:r>
@@ -8351,10 +8494,10 @@
               <a:solidFill>
                 <a:schemeClr val="dk2"/>
               </a:solidFill>
-              <a:latin typeface="Roboto"/>
-              <a:ea typeface="Roboto"/>
-              <a:cs typeface="Roboto"/>
-              <a:sym typeface="Roboto"/>
+              <a:latin typeface="Malgun Gothic"/>
+              <a:ea typeface="Malgun Gothic"/>
+              <a:cs typeface="Malgun Gothic"/>
+              <a:sym typeface="Malgun Gothic"/>
             </a:endParaRPr>
           </a:p>
           <a:p>
@@ -8377,10 +8520,10 @@
               <a:solidFill>
                 <a:schemeClr val="dk2"/>
               </a:solidFill>
-              <a:latin typeface="Roboto"/>
-              <a:ea typeface="Roboto"/>
-              <a:cs typeface="Roboto"/>
-              <a:sym typeface="Roboto"/>
+              <a:latin typeface="Malgun Gothic"/>
+              <a:ea typeface="Malgun Gothic"/>
+              <a:cs typeface="Malgun Gothic"/>
+              <a:sym typeface="Malgun Gothic"/>
             </a:endParaRPr>
           </a:p>
           <a:p>
@@ -8398,7 +8541,7 @@
                 <a:schemeClr val="dk2"/>
               </a:buClr>
               <a:buSzPts val="2359"/>
-              <a:buFont typeface="Roboto"/>
+              <a:buFont typeface="Malgun Gothic"/>
               <a:buChar char="-"/>
             </a:pPr>
             <a:r>
@@ -8406,10 +8549,10 @@
                 <a:solidFill>
                   <a:schemeClr val="dk2"/>
                 </a:solidFill>
-                <a:latin typeface="Roboto"/>
-                <a:ea typeface="Roboto"/>
-                <a:cs typeface="Roboto"/>
-                <a:sym typeface="Roboto"/>
+                <a:latin typeface="Malgun Gothic"/>
+                <a:ea typeface="Malgun Gothic"/>
+                <a:cs typeface="Malgun Gothic"/>
+                <a:sym typeface="Malgun Gothic"/>
               </a:rPr>
               <a:t>Gradient Boost Classifier</a:t>
             </a:r>
@@ -8417,10 +8560,10 @@
               <a:solidFill>
                 <a:schemeClr val="dk2"/>
               </a:solidFill>
-              <a:latin typeface="Roboto"/>
-              <a:ea typeface="Roboto"/>
-              <a:cs typeface="Roboto"/>
-              <a:sym typeface="Roboto"/>
+              <a:latin typeface="Malgun Gothic"/>
+              <a:ea typeface="Malgun Gothic"/>
+              <a:cs typeface="Malgun Gothic"/>
+              <a:sym typeface="Malgun Gothic"/>
             </a:endParaRPr>
           </a:p>
           <a:p>
@@ -8443,10 +8586,10 @@
               <a:solidFill>
                 <a:schemeClr val="dk2"/>
               </a:solidFill>
-              <a:latin typeface="Roboto"/>
-              <a:ea typeface="Roboto"/>
-              <a:cs typeface="Roboto"/>
-              <a:sym typeface="Roboto"/>
+              <a:latin typeface="Malgun Gothic"/>
+              <a:ea typeface="Malgun Gothic"/>
+              <a:cs typeface="Malgun Gothic"/>
+              <a:sym typeface="Malgun Gothic"/>
             </a:endParaRPr>
           </a:p>
           <a:p>
@@ -8464,7 +8607,7 @@
                 <a:schemeClr val="dk2"/>
               </a:buClr>
               <a:buSzPts val="2359"/>
-              <a:buFont typeface="Roboto"/>
+              <a:buFont typeface="Malgun Gothic"/>
               <a:buChar char="-"/>
             </a:pPr>
             <a:r>
@@ -8472,18 +8615,18 @@
                 <a:solidFill>
                   <a:schemeClr val="dk2"/>
                 </a:solidFill>
-                <a:latin typeface="Roboto"/>
-                <a:ea typeface="Roboto"/>
-                <a:cs typeface="Roboto"/>
-                <a:sym typeface="Roboto"/>
+                <a:latin typeface="Malgun Gothic"/>
+                <a:ea typeface="Malgun Gothic"/>
+                <a:cs typeface="Malgun Gothic"/>
+                <a:sym typeface="Malgun Gothic"/>
               </a:rPr>
               <a:t>Shallow Neural Network</a:t>
             </a:r>
             <a:endParaRPr>
-              <a:latin typeface="Roboto"/>
-              <a:ea typeface="Roboto"/>
-              <a:cs typeface="Roboto"/>
-              <a:sym typeface="Roboto"/>
+              <a:latin typeface="Malgun Gothic"/>
+              <a:ea typeface="Malgun Gothic"/>
+              <a:cs typeface="Malgun Gothic"/>
+              <a:sym typeface="Malgun Gothic"/>
             </a:endParaRPr>
           </a:p>
         </p:txBody>
@@ -8546,10 +8689,20 @@
               <a:buNone/>
             </a:pPr>
             <a:r>
-              <a:rPr lang="ko"/>
+              <a:rPr lang="ko">
+                <a:latin typeface="Malgun Gothic"/>
+                <a:ea typeface="Malgun Gothic"/>
+                <a:cs typeface="Malgun Gothic"/>
+                <a:sym typeface="Malgun Gothic"/>
+              </a:rPr>
               <a:t>데이터 셋 내의 원인 열 ‘Reason’ 과 나머지 열의 상관계수 0.005 이하는 제외</a:t>
             </a:r>
-            <a:endParaRPr/>
+            <a:endParaRPr>
+              <a:latin typeface="Malgun Gothic"/>
+              <a:ea typeface="Malgun Gothic"/>
+              <a:cs typeface="Malgun Gothic"/>
+              <a:sym typeface="Malgun Gothic"/>
+            </a:endParaRPr>
           </a:p>
         </p:txBody>
       </p:sp>
@@ -8617,18 +8770,18 @@
             </a:pPr>
             <a:r>
               <a:rPr lang="ko" sz="1300">
-                <a:latin typeface="Merriweather"/>
-                <a:ea typeface="Merriweather"/>
-                <a:cs typeface="Merriweather"/>
-                <a:sym typeface="Merriweather"/>
+                <a:latin typeface="Malgun Gothic"/>
+                <a:ea typeface="Malgun Gothic"/>
+                <a:cs typeface="Malgun Gothic"/>
+                <a:sym typeface="Malgun Gothic"/>
               </a:rPr>
               <a:t>기준인 0.005 이하의</a:t>
             </a:r>
             <a:endParaRPr sz="1300">
-              <a:latin typeface="Merriweather"/>
-              <a:ea typeface="Merriweather"/>
-              <a:cs typeface="Merriweather"/>
-              <a:sym typeface="Merriweather"/>
+              <a:latin typeface="Malgun Gothic"/>
+              <a:ea typeface="Malgun Gothic"/>
+              <a:cs typeface="Malgun Gothic"/>
+              <a:sym typeface="Malgun Gothic"/>
             </a:endParaRPr>
           </a:p>
           <a:p>
@@ -8643,18 +8796,18 @@
             </a:pPr>
             <a:r>
               <a:rPr lang="ko" sz="1300">
-                <a:latin typeface="Merriweather"/>
-                <a:ea typeface="Merriweather"/>
-                <a:cs typeface="Merriweather"/>
-                <a:sym typeface="Merriweather"/>
+                <a:latin typeface="Malgun Gothic"/>
+                <a:ea typeface="Malgun Gothic"/>
+                <a:cs typeface="Malgun Gothic"/>
+                <a:sym typeface="Malgun Gothic"/>
               </a:rPr>
               <a:t>Clamp_Close_Time, Max_Switch_Over_Pressure, Switch_Over_Position, Barrel_Temperature_7</a:t>
             </a:r>
             <a:endParaRPr sz="1300">
-              <a:latin typeface="Merriweather"/>
-              <a:ea typeface="Merriweather"/>
-              <a:cs typeface="Merriweather"/>
-              <a:sym typeface="Merriweather"/>
+              <a:latin typeface="Malgun Gothic"/>
+              <a:ea typeface="Malgun Gothic"/>
+              <a:cs typeface="Malgun Gothic"/>
+              <a:sym typeface="Malgun Gothic"/>
             </a:endParaRPr>
           </a:p>
         </p:txBody>
@@ -8694,6 +8847,483 @@
         </p:nvSpPr>
         <p:spPr>
           <a:xfrm>
+            <a:off x="311725" y="229900"/>
+            <a:ext cx="3127500" cy="563400"/>
+          </a:xfrm>
+          <a:prstGeom prst="rect">
+            <a:avLst/>
+          </a:prstGeom>
+        </p:spPr>
+        <p:txBody>
+          <a:bodyPr anchorCtr="0" anchor="t" bIns="91425" lIns="91425" spcFirstLastPara="1" rIns="91425" wrap="square" tIns="91425">
+            <a:normAutofit lnSpcReduction="20000"/>
+          </a:bodyPr>
+          <a:lstStyle/>
+          <a:p>
+            <a:pPr indent="0" lvl="0" marL="0" rtl="0" algn="ctr">
+              <a:spcBef>
+                <a:spcPts val="0"/>
+              </a:spcBef>
+              <a:spcAft>
+                <a:spcPts val="1200"/>
+              </a:spcAft>
+              <a:buNone/>
+            </a:pPr>
+            <a:r>
+              <a:rPr lang="ko" sz="2500">
+                <a:latin typeface="Impact"/>
+                <a:ea typeface="Impact"/>
+                <a:cs typeface="Impact"/>
+                <a:sym typeface="Impact"/>
+              </a:rPr>
+              <a:t>Feature Encoding</a:t>
+            </a:r>
+            <a:endParaRPr sz="2500">
+              <a:latin typeface="Impact"/>
+              <a:ea typeface="Impact"/>
+              <a:cs typeface="Impact"/>
+              <a:sym typeface="Impact"/>
+            </a:endParaRPr>
+          </a:p>
+        </p:txBody>
+      </p:sp>
+      <p:sp>
+        <p:nvSpPr>
+          <p:cNvPr id="100" name="Google Shape;100;p17"/>
+          <p:cNvSpPr txBox="1"/>
+          <p:nvPr>
+            <p:ph type="title"/>
+          </p:nvPr>
+        </p:nvSpPr>
+        <p:spPr>
+          <a:xfrm>
+            <a:off x="311725" y="876800"/>
+            <a:ext cx="3127500" cy="4039500"/>
+          </a:xfrm>
+          <a:prstGeom prst="rect">
+            <a:avLst/>
+          </a:prstGeom>
+        </p:spPr>
+        <p:txBody>
+          <a:bodyPr anchorCtr="0" anchor="t" bIns="91425" lIns="91425" spcFirstLastPara="1" rIns="91425" wrap="square" tIns="91425">
+            <a:normAutofit/>
+          </a:bodyPr>
+          <a:lstStyle/>
+          <a:p>
+            <a:pPr indent="-406400" lvl="0" marL="457200" rtl="0" algn="l">
+              <a:spcBef>
+                <a:spcPts val="0"/>
+              </a:spcBef>
+              <a:spcAft>
+                <a:spcPts val="0"/>
+              </a:spcAft>
+              <a:buSzPts val="2800"/>
+              <a:buFont typeface="Impact"/>
+              <a:buChar char="-"/>
+            </a:pPr>
+            <a:r>
+              <a:rPr lang="ko">
+                <a:latin typeface="Impact"/>
+                <a:ea typeface="Impact"/>
+                <a:cs typeface="Impact"/>
+                <a:sym typeface="Impact"/>
+              </a:rPr>
+              <a:t>Part Name</a:t>
+            </a:r>
+            <a:endParaRPr>
+              <a:latin typeface="Impact"/>
+              <a:ea typeface="Impact"/>
+              <a:cs typeface="Impact"/>
+              <a:sym typeface="Impact"/>
+            </a:endParaRPr>
+          </a:p>
+          <a:p>
+            <a:pPr indent="0" lvl="0" marL="457200" rtl="0" algn="l">
+              <a:spcBef>
+                <a:spcPts val="0"/>
+              </a:spcBef>
+              <a:spcAft>
+                <a:spcPts val="0"/>
+              </a:spcAft>
+              <a:buNone/>
+            </a:pPr>
+            <a:r>
+              <a:t/>
+            </a:r>
+            <a:endParaRPr>
+              <a:latin typeface="Impact"/>
+              <a:ea typeface="Impact"/>
+              <a:cs typeface="Impact"/>
+              <a:sym typeface="Impact"/>
+            </a:endParaRPr>
+          </a:p>
+          <a:p>
+            <a:pPr indent="-406400" lvl="0" marL="457200" rtl="0" algn="l">
+              <a:spcBef>
+                <a:spcPts val="0"/>
+              </a:spcBef>
+              <a:spcAft>
+                <a:spcPts val="0"/>
+              </a:spcAft>
+              <a:buSzPts val="2800"/>
+              <a:buFont typeface="Impact"/>
+              <a:buChar char="-"/>
+            </a:pPr>
+            <a:r>
+              <a:rPr lang="ko">
+                <a:latin typeface="Impact"/>
+                <a:ea typeface="Impact"/>
+                <a:cs typeface="Impact"/>
+                <a:sym typeface="Impact"/>
+              </a:rPr>
+              <a:t>Equip CD</a:t>
+            </a:r>
+            <a:endParaRPr>
+              <a:latin typeface="Impact"/>
+              <a:ea typeface="Impact"/>
+              <a:cs typeface="Impact"/>
+              <a:sym typeface="Impact"/>
+            </a:endParaRPr>
+          </a:p>
+          <a:p>
+            <a:pPr indent="0" lvl="0" marL="457200" rtl="0" algn="l">
+              <a:spcBef>
+                <a:spcPts val="0"/>
+              </a:spcBef>
+              <a:spcAft>
+                <a:spcPts val="0"/>
+              </a:spcAft>
+              <a:buNone/>
+            </a:pPr>
+            <a:r>
+              <a:t/>
+            </a:r>
+            <a:endParaRPr>
+              <a:latin typeface="Impact"/>
+              <a:ea typeface="Impact"/>
+              <a:cs typeface="Impact"/>
+              <a:sym typeface="Impact"/>
+            </a:endParaRPr>
+          </a:p>
+          <a:p>
+            <a:pPr indent="-406400" lvl="0" marL="457200" rtl="0" algn="l">
+              <a:spcBef>
+                <a:spcPts val="0"/>
+              </a:spcBef>
+              <a:spcAft>
+                <a:spcPts val="0"/>
+              </a:spcAft>
+              <a:buSzPts val="2800"/>
+              <a:buFont typeface="Impact"/>
+              <a:buChar char="-"/>
+            </a:pPr>
+            <a:r>
+              <a:rPr lang="ko">
+                <a:latin typeface="Impact"/>
+                <a:ea typeface="Impact"/>
+                <a:cs typeface="Impact"/>
+                <a:sym typeface="Impact"/>
+              </a:rPr>
+              <a:t>Equip Name</a:t>
+            </a:r>
+            <a:endParaRPr>
+              <a:latin typeface="Impact"/>
+              <a:ea typeface="Impact"/>
+              <a:cs typeface="Impact"/>
+              <a:sym typeface="Impact"/>
+            </a:endParaRPr>
+          </a:p>
+          <a:p>
+            <a:pPr indent="0" lvl="0" marL="457200" rtl="0" algn="l">
+              <a:spcBef>
+                <a:spcPts val="0"/>
+              </a:spcBef>
+              <a:spcAft>
+                <a:spcPts val="0"/>
+              </a:spcAft>
+              <a:buNone/>
+            </a:pPr>
+            <a:r>
+              <a:t/>
+            </a:r>
+            <a:endParaRPr>
+              <a:latin typeface="Impact"/>
+              <a:ea typeface="Impact"/>
+              <a:cs typeface="Impact"/>
+              <a:sym typeface="Impact"/>
+            </a:endParaRPr>
+          </a:p>
+          <a:p>
+            <a:pPr indent="-406400" lvl="0" marL="457200" rtl="0" algn="l">
+              <a:spcBef>
+                <a:spcPts val="0"/>
+              </a:spcBef>
+              <a:spcAft>
+                <a:spcPts val="0"/>
+              </a:spcAft>
+              <a:buSzPts val="2800"/>
+              <a:buFont typeface="Impact"/>
+              <a:buChar char="-"/>
+            </a:pPr>
+            <a:r>
+              <a:rPr lang="ko">
+                <a:latin typeface="Impact"/>
+                <a:ea typeface="Impact"/>
+                <a:cs typeface="Impact"/>
+                <a:sym typeface="Impact"/>
+              </a:rPr>
+              <a:t>Pass of Fail</a:t>
+            </a:r>
+            <a:endParaRPr>
+              <a:latin typeface="Impact"/>
+              <a:ea typeface="Impact"/>
+              <a:cs typeface="Impact"/>
+              <a:sym typeface="Impact"/>
+            </a:endParaRPr>
+          </a:p>
+          <a:p>
+            <a:pPr indent="0" lvl="0" marL="457200" rtl="0" algn="l">
+              <a:spcBef>
+                <a:spcPts val="0"/>
+              </a:spcBef>
+              <a:spcAft>
+                <a:spcPts val="0"/>
+              </a:spcAft>
+              <a:buNone/>
+            </a:pPr>
+            <a:r>
+              <a:t/>
+            </a:r>
+            <a:endParaRPr>
+              <a:latin typeface="Impact"/>
+              <a:ea typeface="Impact"/>
+              <a:cs typeface="Impact"/>
+              <a:sym typeface="Impact"/>
+            </a:endParaRPr>
+          </a:p>
+          <a:p>
+            <a:pPr indent="-406400" lvl="0" marL="457200" rtl="0" algn="l">
+              <a:spcBef>
+                <a:spcPts val="0"/>
+              </a:spcBef>
+              <a:spcAft>
+                <a:spcPts val="0"/>
+              </a:spcAft>
+              <a:buSzPts val="2800"/>
+              <a:buFont typeface="Impact"/>
+              <a:buChar char="-"/>
+            </a:pPr>
+            <a:r>
+              <a:rPr lang="ko">
+                <a:latin typeface="Impact"/>
+                <a:ea typeface="Impact"/>
+                <a:cs typeface="Impact"/>
+                <a:sym typeface="Impact"/>
+              </a:rPr>
+              <a:t>Reason</a:t>
+            </a:r>
+            <a:endParaRPr>
+              <a:latin typeface="Impact"/>
+              <a:ea typeface="Impact"/>
+              <a:cs typeface="Impact"/>
+              <a:sym typeface="Impact"/>
+            </a:endParaRPr>
+          </a:p>
+        </p:txBody>
+      </p:sp>
+      <p:pic>
+        <p:nvPicPr>
+          <p:cNvPr id="101" name="Google Shape;101;p17"/>
+          <p:cNvPicPr preferRelativeResize="0"/>
+          <p:nvPr/>
+        </p:nvPicPr>
+        <p:blipFill>
+          <a:blip r:embed="rId3">
+            <a:alphaModFix/>
+          </a:blip>
+          <a:stretch>
+            <a:fillRect/>
+          </a:stretch>
+        </p:blipFill>
+        <p:spPr>
+          <a:xfrm>
+            <a:off x="3846500" y="1628349"/>
+            <a:ext cx="5219175" cy="2016375"/>
+          </a:xfrm>
+          <a:prstGeom prst="rect">
+            <a:avLst/>
+          </a:prstGeom>
+          <a:noFill/>
+          <a:ln>
+            <a:noFill/>
+          </a:ln>
+        </p:spPr>
+      </p:pic>
+      <p:sp>
+        <p:nvSpPr>
+          <p:cNvPr id="102" name="Google Shape;102;p17"/>
+          <p:cNvSpPr txBox="1"/>
+          <p:nvPr/>
+        </p:nvSpPr>
+        <p:spPr>
+          <a:xfrm>
+            <a:off x="4097013" y="858075"/>
+            <a:ext cx="4718100" cy="615600"/>
+          </a:xfrm>
+          <a:prstGeom prst="rect">
+            <a:avLst/>
+          </a:prstGeom>
+          <a:noFill/>
+          <a:ln>
+            <a:noFill/>
+          </a:ln>
+        </p:spPr>
+        <p:txBody>
+          <a:bodyPr anchorCtr="0" anchor="t" bIns="91425" lIns="91425" spcFirstLastPara="1" rIns="91425" wrap="square" tIns="91425">
+            <a:spAutoFit/>
+          </a:bodyPr>
+          <a:lstStyle/>
+          <a:p>
+            <a:pPr indent="0" lvl="0" marL="0" rtl="0" algn="ctr">
+              <a:spcBef>
+                <a:spcPts val="0"/>
+              </a:spcBef>
+              <a:spcAft>
+                <a:spcPts val="0"/>
+              </a:spcAft>
+              <a:buNone/>
+            </a:pPr>
+            <a:r>
+              <a:rPr lang="ko">
+                <a:latin typeface="Malgun Gothic"/>
+                <a:ea typeface="Malgun Gothic"/>
+                <a:cs typeface="Malgun Gothic"/>
+                <a:sym typeface="Malgun Gothic"/>
+              </a:rPr>
+              <a:t>설비와 파트별 노후화 또는 관리의 연관성을 위해</a:t>
+            </a:r>
+            <a:endParaRPr>
+              <a:latin typeface="Malgun Gothic"/>
+              <a:ea typeface="Malgun Gothic"/>
+              <a:cs typeface="Malgun Gothic"/>
+              <a:sym typeface="Malgun Gothic"/>
+            </a:endParaRPr>
+          </a:p>
+          <a:p>
+            <a:pPr indent="0" lvl="0" marL="0" rtl="0" algn="ctr">
+              <a:spcBef>
+                <a:spcPts val="0"/>
+              </a:spcBef>
+              <a:spcAft>
+                <a:spcPts val="0"/>
+              </a:spcAft>
+              <a:buNone/>
+            </a:pPr>
+            <a:r>
+              <a:rPr lang="ko">
+                <a:latin typeface="Malgun Gothic"/>
+                <a:ea typeface="Malgun Gothic"/>
+                <a:cs typeface="Malgun Gothic"/>
+                <a:sym typeface="Malgun Gothic"/>
+              </a:rPr>
+              <a:t>문자열 특성들을 수치화</a:t>
+            </a:r>
+            <a:endParaRPr>
+              <a:latin typeface="Malgun Gothic"/>
+              <a:ea typeface="Malgun Gothic"/>
+              <a:cs typeface="Malgun Gothic"/>
+              <a:sym typeface="Malgun Gothic"/>
+            </a:endParaRPr>
+          </a:p>
+        </p:txBody>
+      </p:sp>
+      <p:sp>
+        <p:nvSpPr>
+          <p:cNvPr id="103" name="Google Shape;103;p17"/>
+          <p:cNvSpPr txBox="1"/>
+          <p:nvPr/>
+        </p:nvSpPr>
+        <p:spPr>
+          <a:xfrm>
+            <a:off x="4384125" y="3885225"/>
+            <a:ext cx="4143900" cy="400200"/>
+          </a:xfrm>
+          <a:prstGeom prst="rect">
+            <a:avLst/>
+          </a:prstGeom>
+          <a:noFill/>
+          <a:ln>
+            <a:noFill/>
+          </a:ln>
+        </p:spPr>
+        <p:txBody>
+          <a:bodyPr anchorCtr="0" anchor="t" bIns="91425" lIns="91425" spcFirstLastPara="1" rIns="91425" wrap="square" tIns="91425">
+            <a:spAutoFit/>
+          </a:bodyPr>
+          <a:lstStyle/>
+          <a:p>
+            <a:pPr indent="0" lvl="0" marL="0" rtl="0" algn="ctr">
+              <a:spcBef>
+                <a:spcPts val="0"/>
+              </a:spcBef>
+              <a:spcAft>
+                <a:spcPts val="0"/>
+              </a:spcAft>
+              <a:buNone/>
+            </a:pPr>
+            <a:r>
+              <a:rPr lang="ko">
+                <a:latin typeface="Malgun Gothic"/>
+                <a:ea typeface="Malgun Gothic"/>
+                <a:cs typeface="Malgun Gothic"/>
+                <a:sym typeface="Malgun Gothic"/>
+              </a:rPr>
+              <a:t>이상 수치를 포함한 정확한 분류를 위해 정규화</a:t>
+            </a:r>
+            <a:endParaRPr>
+              <a:latin typeface="Malgun Gothic"/>
+              <a:ea typeface="Malgun Gothic"/>
+              <a:cs typeface="Malgun Gothic"/>
+              <a:sym typeface="Malgun Gothic"/>
+            </a:endParaRPr>
+          </a:p>
+        </p:txBody>
+      </p:sp>
+    </p:spTree>
+  </p:cSld>
+  <p:clrMapOvr>
+    <a:masterClrMapping/>
+  </p:clrMapOvr>
+</p:sld>
+</file>
+
+<file path=ppt/slides/slide6.xml><?xml version="1.0" encoding="utf-8"?>
+<p:sld xmlns:a="http://schemas.openxmlformats.org/drawingml/2006/main" xmlns:r="http://schemas.openxmlformats.org/officeDocument/2006/relationships" xmlns:mc="http://schemas.openxmlformats.org/markup-compatibility/2006" xmlns:mv="urn:schemas-microsoft-com:mac:vml" xmlns:p="http://schemas.openxmlformats.org/presentationml/2006/main" xmlns:c="http://schemas.openxmlformats.org/drawingml/2006/chart" xmlns:dgm="http://schemas.openxmlformats.org/drawingml/2006/diagram" xmlns:o="urn:schemas-microsoft-com:office:office" xmlns:v="urn:schemas-microsoft-com:vml" xmlns:pvml="urn:schemas-microsoft-com:office:powerpoint" xmlns:com="http://schemas.openxmlformats.org/drawingml/2006/compatibility" xmlns:p14="http://schemas.microsoft.com/office/powerpoint/2010/main" xmlns:p15="http://schemas.microsoft.com/office/powerpoint/2012/main" xmlns:ahyp="http://schemas.microsoft.com/office/drawing/2018/hyperlinkcolor">
+  <p:cSld>
+    <p:spTree>
+      <p:nvGrpSpPr>
+        <p:cNvPr id="107" name="Shape 107"/>
+        <p:cNvGrpSpPr/>
+        <p:nvPr/>
+      </p:nvGrpSpPr>
+      <p:grpSpPr>
+        <a:xfrm>
+          <a:off x="0" y="0"/>
+          <a:ext cx="0" cy="0"/>
+          <a:chOff x="0" y="0"/>
+          <a:chExt cx="0" cy="0"/>
+        </a:xfrm>
+      </p:grpSpPr>
+      <p:sp>
+        <p:nvSpPr>
+          <p:cNvPr id="108" name="Google Shape;108;p18"/>
+          <p:cNvSpPr txBox="1"/>
+          <p:nvPr>
+            <p:ph idx="1" type="body"/>
+          </p:nvPr>
+        </p:nvSpPr>
+        <p:spPr>
+          <a:xfrm>
             <a:off x="311700" y="4521400"/>
             <a:ext cx="7979400" cy="460500"/>
           </a:xfrm>
@@ -8717,16 +9347,26 @@
               <a:buNone/>
             </a:pPr>
             <a:r>
-              <a:rPr lang="ko"/>
+              <a:rPr lang="ko">
+                <a:latin typeface="Malgun Gothic"/>
+                <a:ea typeface="Malgun Gothic"/>
+                <a:cs typeface="Malgun Gothic"/>
+                <a:sym typeface="Malgun Gothic"/>
+              </a:rPr>
               <a:t>데이터 내 편향으로 정확도만으로 올바른 평가가 어려움</a:t>
             </a:r>
-            <a:endParaRPr/>
+            <a:endParaRPr>
+              <a:latin typeface="Malgun Gothic"/>
+              <a:ea typeface="Malgun Gothic"/>
+              <a:cs typeface="Malgun Gothic"/>
+              <a:sym typeface="Malgun Gothic"/>
+            </a:endParaRPr>
           </a:p>
         </p:txBody>
       </p:sp>
       <p:pic>
         <p:nvPicPr>
-          <p:cNvPr id="100" name="Google Shape;100;p17" title="Points scored"/>
+          <p:cNvPr id="109" name="Google Shape;109;p18" title="Points scored"/>
           <p:cNvPicPr preferRelativeResize="0"/>
           <p:nvPr/>
         </p:nvPicPr>
@@ -8754,7 +9394,7 @@
       </p:pic>
       <p:pic>
         <p:nvPicPr>
-          <p:cNvPr id="101" name="Google Shape;101;p17" title="Points scored"/>
+          <p:cNvPr id="110" name="Google Shape;110;p18" title="Points scored"/>
           <p:cNvPicPr preferRelativeResize="0"/>
           <p:nvPr/>
         </p:nvPicPr>
@@ -8781,7 +9421,7 @@
       </p:pic>
       <p:grpSp>
         <p:nvGrpSpPr>
-          <p:cNvPr id="102" name="Google Shape;102;p17"/>
+          <p:cNvPr id="111" name="Google Shape;111;p18"/>
           <p:cNvGrpSpPr/>
           <p:nvPr/>
         </p:nvGrpSpPr>
@@ -8795,7 +9435,7 @@
         </p:grpSpPr>
         <p:sp>
           <p:nvSpPr>
-            <p:cNvPr id="103" name="Google Shape;103;p17"/>
+            <p:cNvPr id="112" name="Google Shape;112;p18"/>
             <p:cNvSpPr/>
             <p:nvPr/>
           </p:nvSpPr>
@@ -8847,7 +9487,7 @@
         </p:sp>
         <p:sp>
           <p:nvSpPr>
-            <p:cNvPr id="104" name="Google Shape;104;p17"/>
+            <p:cNvPr id="113" name="Google Shape;113;p18"/>
             <p:cNvSpPr txBox="1"/>
             <p:nvPr/>
           </p:nvSpPr>
@@ -8881,18 +9521,18 @@
               </a:pPr>
               <a:r>
                 <a:rPr lang="ko">
-                  <a:latin typeface="Roboto"/>
-                  <a:ea typeface="Roboto"/>
-                  <a:cs typeface="Roboto"/>
-                  <a:sym typeface="Roboto"/>
+                  <a:latin typeface="Malgun Gothic"/>
+                  <a:ea typeface="Malgun Gothic"/>
+                  <a:cs typeface="Malgun Gothic"/>
+                  <a:sym typeface="Malgun Gothic"/>
                 </a:rPr>
-                <a:t>극 편향 데이터로, 정상만 예측해도 99%의 정확도</a:t>
+                <a:t>편향적 데이터로, 정상만 예측해도 99%의 정확도</a:t>
               </a:r>
               <a:endParaRPr>
-                <a:latin typeface="Roboto"/>
-                <a:ea typeface="Roboto"/>
-                <a:cs typeface="Roboto"/>
-                <a:sym typeface="Roboto"/>
+                <a:latin typeface="Malgun Gothic"/>
+                <a:ea typeface="Malgun Gothic"/>
+                <a:cs typeface="Malgun Gothic"/>
+                <a:sym typeface="Malgun Gothic"/>
               </a:endParaRPr>
             </a:p>
           </p:txBody>
@@ -8906,12 +9546,12 @@
 </p:sld>
 </file>
 
-<file path=ppt/slides/slide6.xml><?xml version="1.0" encoding="utf-8"?>
+<file path=ppt/slides/slide7.xml><?xml version="1.0" encoding="utf-8"?>
 <p:sld xmlns:a="http://schemas.openxmlformats.org/drawingml/2006/main" xmlns:r="http://schemas.openxmlformats.org/officeDocument/2006/relationships" xmlns:mc="http://schemas.openxmlformats.org/markup-compatibility/2006" xmlns:mv="urn:schemas-microsoft-com:mac:vml" xmlns:p="http://schemas.openxmlformats.org/presentationml/2006/main" xmlns:c="http://schemas.openxmlformats.org/drawingml/2006/chart" xmlns:dgm="http://schemas.openxmlformats.org/drawingml/2006/diagram" xmlns:o="urn:schemas-microsoft-com:office:office" xmlns:v="urn:schemas-microsoft-com:vml" xmlns:pvml="urn:schemas-microsoft-com:office:powerpoint" xmlns:com="http://schemas.openxmlformats.org/drawingml/2006/compatibility" xmlns:p14="http://schemas.microsoft.com/office/powerpoint/2010/main" xmlns:p15="http://schemas.microsoft.com/office/powerpoint/2012/main" xmlns:ahyp="http://schemas.microsoft.com/office/drawing/2018/hyperlinkcolor">
   <p:cSld>
     <p:spTree>
       <p:nvGrpSpPr>
-        <p:cNvPr id="108" name="Shape 108"/>
+        <p:cNvPr id="117" name="Shape 117"/>
         <p:cNvGrpSpPr/>
         <p:nvPr/>
       </p:nvGrpSpPr>
@@ -8925,7 +9565,7 @@
       </p:grpSpPr>
       <p:sp>
         <p:nvSpPr>
-          <p:cNvPr id="109" name="Google Shape;109;p18"/>
+          <p:cNvPr id="118" name="Google Shape;118;p19"/>
           <p:cNvSpPr txBox="1"/>
           <p:nvPr>
             <p:ph idx="1" type="body"/>
@@ -8956,16 +9596,26 @@
               <a:buNone/>
             </a:pPr>
             <a:r>
-              <a:rPr lang="ko"/>
+              <a:rPr lang="ko">
+                <a:latin typeface="Malgun Gothic"/>
+                <a:ea typeface="Malgun Gothic"/>
+                <a:cs typeface="Malgun Gothic"/>
+                <a:sym typeface="Malgun Gothic"/>
+              </a:rPr>
               <a:t>각 클래스, 분류 결과가 가장 우세한 Gradient Boost Classifier</a:t>
             </a:r>
-            <a:endParaRPr/>
+            <a:endParaRPr>
+              <a:latin typeface="Malgun Gothic"/>
+              <a:ea typeface="Malgun Gothic"/>
+              <a:cs typeface="Malgun Gothic"/>
+              <a:sym typeface="Malgun Gothic"/>
+            </a:endParaRPr>
           </a:p>
         </p:txBody>
       </p:sp>
       <p:pic>
         <p:nvPicPr>
-          <p:cNvPr id="110" name="Google Shape;110;p18" title="차트"/>
+          <p:cNvPr id="119" name="Google Shape;119;p19" title="차트"/>
           <p:cNvPicPr preferRelativeResize="0"/>
           <p:nvPr/>
         </p:nvPicPr>
@@ -8999,12 +9649,12 @@
 </p:sld>
 </file>
 
-<file path=ppt/slides/slide7.xml><?xml version="1.0" encoding="utf-8"?>
+<file path=ppt/slides/slide8.xml><?xml version="1.0" encoding="utf-8"?>
 <p:sld xmlns:a="http://schemas.openxmlformats.org/drawingml/2006/main" xmlns:r="http://schemas.openxmlformats.org/officeDocument/2006/relationships" xmlns:mc="http://schemas.openxmlformats.org/markup-compatibility/2006" xmlns:mv="urn:schemas-microsoft-com:mac:vml" xmlns:p="http://schemas.openxmlformats.org/presentationml/2006/main" xmlns:c="http://schemas.openxmlformats.org/drawingml/2006/chart" xmlns:dgm="http://schemas.openxmlformats.org/drawingml/2006/diagram" xmlns:o="urn:schemas-microsoft-com:office:office" xmlns:v="urn:schemas-microsoft-com:vml" xmlns:pvml="urn:schemas-microsoft-com:office:powerpoint" xmlns:com="http://schemas.openxmlformats.org/drawingml/2006/compatibility" xmlns:p14="http://schemas.microsoft.com/office/powerpoint/2010/main" xmlns:p15="http://schemas.microsoft.com/office/powerpoint/2012/main" xmlns:ahyp="http://schemas.microsoft.com/office/drawing/2018/hyperlinkcolor">
   <p:cSld>
     <p:spTree>
       <p:nvGrpSpPr>
-        <p:cNvPr id="114" name="Shape 114"/>
+        <p:cNvPr id="123" name="Shape 123"/>
         <p:cNvGrpSpPr/>
         <p:nvPr/>
       </p:nvGrpSpPr>
@@ -9018,7 +9668,7 @@
       </p:grpSpPr>
       <p:sp>
         <p:nvSpPr>
-          <p:cNvPr id="115" name="Google Shape;115;p19"/>
+          <p:cNvPr id="124" name="Google Shape;124;p20"/>
           <p:cNvSpPr txBox="1"/>
           <p:nvPr>
             <p:ph idx="1" type="body"/>
@@ -9049,10 +9699,20 @@
               <a:buNone/>
             </a:pPr>
             <a:r>
-              <a:rPr lang="ko"/>
+              <a:rPr lang="ko">
+                <a:latin typeface="Malgun Gothic"/>
+                <a:ea typeface="Malgun Gothic"/>
+                <a:cs typeface="Malgun Gothic"/>
+                <a:sym typeface="Malgun Gothic"/>
+              </a:rPr>
               <a:t>빈도가 적은 데이터는 상대적으로 가중치 합이 적어 학습이 어려운 것을 보완, 하나의 모델로 결합 및 완성</a:t>
             </a:r>
-            <a:endParaRPr/>
+            <a:endParaRPr>
+              <a:latin typeface="Malgun Gothic"/>
+              <a:ea typeface="Malgun Gothic"/>
+              <a:cs typeface="Malgun Gothic"/>
+              <a:sym typeface="Malgun Gothic"/>
+            </a:endParaRPr>
           </a:p>
           <a:p>
             <a:pPr indent="0" lvl="0" marL="0" rtl="0" algn="ctr">
@@ -9067,7 +9727,12 @@
             <a:r>
               <a:t/>
             </a:r>
-            <a:endParaRPr/>
+            <a:endParaRPr>
+              <a:latin typeface="Malgun Gothic"/>
+              <a:ea typeface="Malgun Gothic"/>
+              <a:cs typeface="Malgun Gothic"/>
+              <a:sym typeface="Malgun Gothic"/>
+            </a:endParaRPr>
           </a:p>
           <a:p>
             <a:pPr indent="0" lvl="0" marL="0" rtl="0" algn="ctr">
@@ -9080,16 +9745,26 @@
               <a:buNone/>
             </a:pPr>
             <a:r>
-              <a:rPr lang="ko"/>
+              <a:rPr lang="ko">
+                <a:latin typeface="Malgun Gothic"/>
+                <a:ea typeface="Malgun Gothic"/>
+                <a:cs typeface="Malgun Gothic"/>
+                <a:sym typeface="Malgun Gothic"/>
+              </a:rPr>
               <a:t>점검에서의 훌륭한 보조자료가 될 수 있음</a:t>
             </a:r>
-            <a:endParaRPr/>
+            <a:endParaRPr>
+              <a:latin typeface="Malgun Gothic"/>
+              <a:ea typeface="Malgun Gothic"/>
+              <a:cs typeface="Malgun Gothic"/>
+              <a:sym typeface="Malgun Gothic"/>
+            </a:endParaRPr>
           </a:p>
         </p:txBody>
       </p:sp>
       <p:pic>
         <p:nvPicPr>
-          <p:cNvPr id="116" name="Google Shape;116;p19"/>
+          <p:cNvPr id="125" name="Google Shape;125;p20"/>
           <p:cNvPicPr preferRelativeResize="0"/>
           <p:nvPr/>
         </p:nvPicPr>
@@ -9124,7 +9799,7 @@
       </p:pic>
       <p:pic>
         <p:nvPicPr>
-          <p:cNvPr id="117" name="Google Shape;117;p19"/>
+          <p:cNvPr id="126" name="Google Shape;126;p20"/>
           <p:cNvPicPr preferRelativeResize="0"/>
           <p:nvPr/>
         </p:nvPicPr>
@@ -9159,7 +9834,7 @@
       </p:pic>
       <p:sp>
         <p:nvSpPr>
-          <p:cNvPr id="118" name="Google Shape;118;p19"/>
+          <p:cNvPr id="127" name="Google Shape;127;p20"/>
           <p:cNvSpPr/>
           <p:nvPr/>
         </p:nvSpPr>
@@ -9218,7 +9893,7 @@
       </p:sp>
       <p:pic>
         <p:nvPicPr>
-          <p:cNvPr id="119" name="Google Shape;119;p19"/>
+          <p:cNvPr id="128" name="Google Shape;128;p20"/>
           <p:cNvPicPr preferRelativeResize="0"/>
           <p:nvPr/>
         </p:nvPicPr>
@@ -9246,7 +9921,7 @@
       </p:pic>
       <p:pic>
         <p:nvPicPr>
-          <p:cNvPr id="120" name="Google Shape;120;p19"/>
+          <p:cNvPr id="129" name="Google Shape;129;p20"/>
           <p:cNvPicPr preferRelativeResize="0"/>
           <p:nvPr/>
         </p:nvPicPr>
@@ -9274,7 +9949,7 @@
       </p:pic>
       <p:pic>
         <p:nvPicPr>
-          <p:cNvPr id="121" name="Google Shape;121;p19"/>
+          <p:cNvPr id="130" name="Google Shape;130;p20"/>
           <p:cNvPicPr preferRelativeResize="0"/>
           <p:nvPr/>
         </p:nvPicPr>
@@ -9308,12 +9983,12 @@
 </p:sld>
 </file>
 
-<file path=ppt/slides/slide8.xml><?xml version="1.0" encoding="utf-8"?>
+<file path=ppt/slides/slide9.xml><?xml version="1.0" encoding="utf-8"?>
 <p:sld xmlns:a="http://schemas.openxmlformats.org/drawingml/2006/main" xmlns:r="http://schemas.openxmlformats.org/officeDocument/2006/relationships" xmlns:mc="http://schemas.openxmlformats.org/markup-compatibility/2006" xmlns:mv="urn:schemas-microsoft-com:mac:vml" xmlns:p="http://schemas.openxmlformats.org/presentationml/2006/main" xmlns:c="http://schemas.openxmlformats.org/drawingml/2006/chart" xmlns:dgm="http://schemas.openxmlformats.org/drawingml/2006/diagram" xmlns:o="urn:schemas-microsoft-com:office:office" xmlns:v="urn:schemas-microsoft-com:vml" xmlns:pvml="urn:schemas-microsoft-com:office:powerpoint" xmlns:com="http://schemas.openxmlformats.org/drawingml/2006/compatibility" xmlns:p14="http://schemas.microsoft.com/office/powerpoint/2010/main" xmlns:p15="http://schemas.microsoft.com/office/powerpoint/2012/main" xmlns:ahyp="http://schemas.microsoft.com/office/drawing/2018/hyperlinkcolor">
   <p:cSld>
     <p:spTree>
       <p:nvGrpSpPr>
-        <p:cNvPr id="125" name="Shape 125"/>
+        <p:cNvPr id="134" name="Shape 134"/>
         <p:cNvGrpSpPr/>
         <p:nvPr/>
       </p:nvGrpSpPr>
@@ -9327,7 +10002,7 @@
       </p:grpSpPr>
       <p:sp>
         <p:nvSpPr>
-          <p:cNvPr id="126" name="Google Shape;126;p20"/>
+          <p:cNvPr id="135" name="Google Shape;135;p21"/>
           <p:cNvSpPr txBox="1"/>
           <p:nvPr>
             <p:ph idx="1" type="body"/>
@@ -9399,7 +10074,7 @@
       </p:sp>
       <p:sp>
         <p:nvSpPr>
-          <p:cNvPr id="127" name="Google Shape;127;p20"/>
+          <p:cNvPr id="136" name="Google Shape;136;p21"/>
           <p:cNvSpPr txBox="1"/>
           <p:nvPr>
             <p:ph type="title"/>
@@ -9407,7 +10082,7 @@
         </p:nvSpPr>
         <p:spPr>
           <a:xfrm>
-            <a:off x="363900" y="492475"/>
+            <a:off x="322175" y="492475"/>
             <a:ext cx="6243600" cy="1244700"/>
           </a:xfrm>
           <a:prstGeom prst="rect">
@@ -9443,13 +10118,13 @@
       </p:sp>
       <p:sp>
         <p:nvSpPr>
-          <p:cNvPr id="128" name="Google Shape;128;p20"/>
+          <p:cNvPr id="137" name="Google Shape;137;p21"/>
           <p:cNvSpPr txBox="1"/>
           <p:nvPr/>
         </p:nvSpPr>
         <p:spPr>
           <a:xfrm>
-            <a:off x="1299600" y="2248500"/>
+            <a:off x="1412863" y="2572075"/>
             <a:ext cx="6544800" cy="646500"/>
           </a:xfrm>
           <a:prstGeom prst="rect">
@@ -9480,10 +10155,10 @@
                 <a:solidFill>
                   <a:srgbClr val="FFFFFF"/>
                 </a:solidFill>
-                <a:latin typeface="Roboto"/>
-                <a:ea typeface="Roboto"/>
-                <a:cs typeface="Roboto"/>
-                <a:sym typeface="Roboto"/>
+                <a:latin typeface="Malgun Gothic"/>
+                <a:ea typeface="Malgun Gothic"/>
+                <a:cs typeface="Malgun Gothic"/>
+                <a:sym typeface="Malgun Gothic"/>
               </a:rPr>
               <a:t>감사합니다!</a:t>
             </a:r>
@@ -9491,14 +10166,42 @@
               <a:solidFill>
                 <a:srgbClr val="FFFFFF"/>
               </a:solidFill>
-              <a:latin typeface="Roboto"/>
-              <a:ea typeface="Roboto"/>
-              <a:cs typeface="Roboto"/>
-              <a:sym typeface="Roboto"/>
+              <a:latin typeface="Malgun Gothic"/>
+              <a:ea typeface="Malgun Gothic"/>
+              <a:cs typeface="Malgun Gothic"/>
+              <a:sym typeface="Malgun Gothic"/>
             </a:endParaRPr>
           </a:p>
         </p:txBody>
       </p:sp>
+      <p:pic>
+        <p:nvPicPr>
+          <p:cNvPr id="138" name="Google Shape;138;p21"/>
+          <p:cNvPicPr preferRelativeResize="0"/>
+          <p:nvPr/>
+        </p:nvPicPr>
+        <p:blipFill>
+          <a:blip r:embed="rId3">
+            <a:alphaModFix/>
+          </a:blip>
+          <a:stretch>
+            <a:fillRect/>
+          </a:stretch>
+        </p:blipFill>
+        <p:spPr>
+          <a:xfrm>
+            <a:off x="1186338" y="1980875"/>
+            <a:ext cx="1828876" cy="1828876"/>
+          </a:xfrm>
+          <a:prstGeom prst="rect">
+            <a:avLst/>
+          </a:prstGeom>
+          <a:noFill/>
+          <a:ln>
+            <a:noFill/>
+          </a:ln>
+        </p:spPr>
+      </p:pic>
     </p:spTree>
   </p:cSld>
   <p:clrMapOvr>
@@ -9508,6 +10211,285 @@
 </file>
 
 <file path=ppt/theme/theme1.xml><?xml version="1.0" encoding="utf-8"?>
+<a:theme xmlns:a="http://schemas.openxmlformats.org/drawingml/2006/main" xmlns:r="http://schemas.openxmlformats.org/officeDocument/2006/relationships">
+  <a:themeElements>
+    <a:clrScheme name="Default">
+      <a:dk1>
+        <a:srgbClr val="000000"/>
+      </a:dk1>
+      <a:lt1>
+        <a:srgbClr val="FFFFFF"/>
+      </a:lt1>
+      <a:dk2>
+        <a:srgbClr val="158158"/>
+      </a:dk2>
+      <a:lt2>
+        <a:srgbClr val="F3F3F3"/>
+      </a:lt2>
+      <a:accent1>
+        <a:srgbClr val="058DC7"/>
+      </a:accent1>
+      <a:accent2>
+        <a:srgbClr val="50B432"/>
+      </a:accent2>
+      <a:accent3>
+        <a:srgbClr val="ED561B"/>
+      </a:accent3>
+      <a:accent4>
+        <a:srgbClr val="EDEF00"/>
+      </a:accent4>
+      <a:accent5>
+        <a:srgbClr val="24CBE5"/>
+      </a:accent5>
+      <a:accent6>
+        <a:srgbClr val="64E572"/>
+      </a:accent6>
+      <a:hlink>
+        <a:srgbClr val="2200CC"/>
+      </a:hlink>
+      <a:folHlink>
+        <a:srgbClr val="551A8B"/>
+      </a:folHlink>
+    </a:clrScheme>
+    <a:fontScheme name="Office">
+      <a:majorFont>
+        <a:latin typeface="Arial"/>
+        <a:ea typeface=""/>
+        <a:cs typeface=""/>
+        <a:font script="Jpan" typeface="ＭＳ Ｐゴシック"/>
+        <a:font script="Hang" typeface="맑은 고딕"/>
+        <a:font script="Hans" typeface="宋体"/>
+        <a:font script="Hant" typeface="新細明體"/>
+        <a:font script="Arab" typeface="Times New Roman"/>
+        <a:font script="Hebr" typeface="Times New Roman"/>
+        <a:font script="Thai" typeface="Angsana New"/>
+        <a:font script="Ethi" typeface="Nyala"/>
+        <a:font script="Beng" typeface="Vrinda"/>
+        <a:font script="Gujr" typeface="Shruti"/>
+        <a:font script="Khmr" typeface="MoolBoran"/>
+        <a:font script="Knda" typeface="Tunga"/>
+        <a:font script="Guru" typeface="Raavi"/>
+        <a:font script="Cans" typeface="Euphemia"/>
+        <a:font script="Cher" typeface="Plantagenet Cherokee"/>
+        <a:font script="Yiii" typeface="Microsoft Yi Baiti"/>
+        <a:font script="Tibt" typeface="Microsoft Himalaya"/>
+        <a:font script="Thaa" typeface="MV Boli"/>
+        <a:font script="Deva" typeface="Mangal"/>
+        <a:font script="Telu" typeface="Gautami"/>
+        <a:font script="Taml" typeface="Latha"/>
+        <a:font script="Syrc" typeface="Estrangelo Edessa"/>
+        <a:font script="Orya" typeface="Kalinga"/>
+        <a:font script="Mlym" typeface="Kartika"/>
+        <a:font script="Laoo" typeface="DokChampa"/>
+        <a:font script="Sinh" typeface="Iskoola Pota"/>
+        <a:font script="Mong" typeface="Mongolian Baiti"/>
+        <a:font script="Viet" typeface="Times New Roman"/>
+        <a:font script="Uigh" typeface="Microsoft Uighur"/>
+        <a:font script="Geor" typeface="Sylfaen"/>
+      </a:majorFont>
+      <a:minorFont>
+        <a:latin typeface="Arial"/>
+        <a:ea typeface=""/>
+        <a:cs typeface=""/>
+        <a:font script="Jpan" typeface="ＭＳ Ｐゴシック"/>
+        <a:font script="Hang" typeface="맑은 고딕"/>
+        <a:font script="Hans" typeface="宋体"/>
+        <a:font script="Hant" typeface="新細明體"/>
+        <a:font script="Arab" typeface="Arial"/>
+        <a:font script="Hebr" typeface="Arial"/>
+        <a:font script="Thai" typeface="Cordia New"/>
+        <a:font script="Ethi" typeface="Nyala"/>
+        <a:font script="Beng" typeface="Vrinda"/>
+        <a:font script="Gujr" typeface="Shruti"/>
+        <a:font script="Khmr" typeface="DaunPenh"/>
+        <a:font script="Knda" typeface="Tunga"/>
+        <a:font script="Guru" typeface="Raavi"/>
+        <a:font script="Cans" typeface="Euphemia"/>
+        <a:font script="Cher" typeface="Plantagenet Cherokee"/>
+        <a:font script="Yiii" typeface="Microsoft Yi Baiti"/>
+        <a:font script="Tibt" typeface="Microsoft Himalaya"/>
+        <a:font script="Thaa" typeface="MV Boli"/>
+        <a:font script="Deva" typeface="Mangal"/>
+        <a:font script="Telu" typeface="Gautami"/>
+        <a:font script="Taml" typeface="Latha"/>
+        <a:font script="Syrc" typeface="Estrangelo Edessa"/>
+        <a:font script="Orya" typeface="Kalinga"/>
+        <a:font script="Mlym" typeface="Kartika"/>
+        <a:font script="Laoo" typeface="DokChampa"/>
+        <a:font script="Sinh" typeface="Iskoola Pota"/>
+        <a:font script="Mong" typeface="Mongolian Baiti"/>
+        <a:font script="Viet" typeface="Arial"/>
+        <a:font script="Uigh" typeface="Microsoft Uighur"/>
+        <a:font script="Geor" typeface="Sylfaen"/>
+      </a:minorFont>
+    </a:fontScheme>
+    <a:fmtScheme name="Office">
+      <a:fillStyleLst>
+        <a:solidFill>
+          <a:schemeClr val="phClr"/>
+        </a:solidFill>
+        <a:gradFill rotWithShape="1">
+          <a:gsLst>
+            <a:gs pos="0">
+              <a:schemeClr val="phClr">
+                <a:tint val="50000"/>
+                <a:satMod val="300000"/>
+              </a:schemeClr>
+            </a:gs>
+            <a:gs pos="35000">
+              <a:schemeClr val="phClr">
+                <a:tint val="37000"/>
+                <a:satMod val="300000"/>
+              </a:schemeClr>
+            </a:gs>
+            <a:gs pos="100000">
+              <a:schemeClr val="phClr">
+                <a:tint val="15000"/>
+                <a:satMod val="350000"/>
+              </a:schemeClr>
+            </a:gs>
+          </a:gsLst>
+          <a:lin ang="16200000" scaled="1"/>
+        </a:gradFill>
+        <a:gradFill rotWithShape="1">
+          <a:gsLst>
+            <a:gs pos="0">
+              <a:schemeClr val="phClr">
+                <a:tint val="100000"/>
+                <a:shade val="100000"/>
+                <a:satMod val="130000"/>
+              </a:schemeClr>
+            </a:gs>
+            <a:gs pos="100000">
+              <a:schemeClr val="phClr">
+                <a:tint val="50000"/>
+                <a:shade val="100000"/>
+                <a:satMod val="350000"/>
+              </a:schemeClr>
+            </a:gs>
+          </a:gsLst>
+          <a:lin ang="16200000" scaled="0"/>
+        </a:gradFill>
+      </a:fillStyleLst>
+      <a:lnStyleLst>
+        <a:ln w="9525" cap="flat" cmpd="sng" algn="ctr">
+          <a:solidFill>
+            <a:schemeClr val="phClr">
+              <a:shade val="95000"/>
+              <a:satMod val="105000"/>
+            </a:schemeClr>
+          </a:solidFill>
+          <a:prstDash val="solid"/>
+        </a:ln>
+        <a:ln w="25400" cap="flat" cmpd="sng" algn="ctr">
+          <a:solidFill>
+            <a:schemeClr val="phClr"/>
+          </a:solidFill>
+          <a:prstDash val="solid"/>
+        </a:ln>
+        <a:ln w="38100" cap="flat" cmpd="sng" algn="ctr">
+          <a:solidFill>
+            <a:schemeClr val="phClr"/>
+          </a:solidFill>
+          <a:prstDash val="solid"/>
+        </a:ln>
+      </a:lnStyleLst>
+      <a:effectStyleLst>
+        <a:effectStyle>
+          <a:effectLst>
+            <a:outerShdw blurRad="40000" dist="20000" dir="5400000" rotWithShape="0">
+              <a:srgbClr val="000000">
+                <a:alpha val="38000"/>
+              </a:srgbClr>
+            </a:outerShdw>
+          </a:effectLst>
+        </a:effectStyle>
+        <a:effectStyle>
+          <a:effectLst>
+            <a:outerShdw blurRad="40000" dist="23000" dir="5400000" rotWithShape="0">
+              <a:srgbClr val="000000">
+                <a:alpha val="35000"/>
+              </a:srgbClr>
+            </a:outerShdw>
+          </a:effectLst>
+        </a:effectStyle>
+        <a:effectStyle>
+          <a:effectLst>
+            <a:outerShdw blurRad="40000" dist="23000" dir="5400000" rotWithShape="0">
+              <a:srgbClr val="000000">
+                <a:alpha val="35000"/>
+              </a:srgbClr>
+            </a:outerShdw>
+          </a:effectLst>
+          <a:scene3d>
+            <a:camera prst="orthographicFront">
+              <a:rot lat="0" lon="0" rev="0"/>
+            </a:camera>
+            <a:lightRig rig="threePt" dir="t">
+              <a:rot lat="0" lon="0" rev="1200000"/>
+            </a:lightRig>
+          </a:scene3d>
+          <a:sp3d>
+            <a:bevelT w="63500" h="25400"/>
+          </a:sp3d>
+        </a:effectStyle>
+      </a:effectStyleLst>
+      <a:bgFillStyleLst>
+        <a:solidFill>
+          <a:schemeClr val="phClr"/>
+        </a:solidFill>
+        <a:gradFill rotWithShape="1">
+          <a:gsLst>
+            <a:gs pos="0">
+              <a:schemeClr val="phClr">
+                <a:tint val="40000"/>
+                <a:satMod val="350000"/>
+              </a:schemeClr>
+            </a:gs>
+            <a:gs pos="40000">
+              <a:schemeClr val="phClr">
+                <a:tint val="45000"/>
+                <a:shade val="99000"/>
+                <a:satMod val="350000"/>
+              </a:schemeClr>
+            </a:gs>
+            <a:gs pos="100000">
+              <a:schemeClr val="phClr">
+                <a:shade val="20000"/>
+                <a:satMod val="255000"/>
+              </a:schemeClr>
+            </a:gs>
+          </a:gsLst>
+          <a:path path="circle">
+            <a:fillToRect l="50000" t="-80000" r="50000" b="180000"/>
+          </a:path>
+        </a:gradFill>
+        <a:gradFill rotWithShape="1">
+          <a:gsLst>
+            <a:gs pos="0">
+              <a:schemeClr val="phClr">
+                <a:tint val="80000"/>
+                <a:satMod val="300000"/>
+              </a:schemeClr>
+            </a:gs>
+            <a:gs pos="100000">
+              <a:schemeClr val="phClr">
+                <a:shade val="30000"/>
+                <a:satMod val="200000"/>
+              </a:schemeClr>
+            </a:gs>
+          </a:gsLst>
+          <a:path path="circle">
+            <a:fillToRect l="50000" t="50000" r="50000" b="50000"/>
+          </a:path>
+        </a:gradFill>
+      </a:bgFillStyleLst>
+    </a:fmtScheme>
+  </a:themeElements>
+</a:theme>
+</file>
+
+<file path=ppt/theme/theme2.xml><?xml version="1.0" encoding="utf-8"?>
 <a:theme xmlns:a="http://schemas.openxmlformats.org/drawingml/2006/main" xmlns:r="http://schemas.openxmlformats.org/officeDocument/2006/relationships" name="Paradigm">
   <a:themeElements>
     <a:clrScheme name="Paradigm">
@@ -9784,283 +10766,4 @@
     </a:fmtScheme>
   </a:themeElements>
 </a:theme>
-</file>
-
-<file path=ppt/theme/theme2.xml><?xml version="1.0" encoding="utf-8"?>
-<a:theme xmlns:a="http://schemas.openxmlformats.org/drawingml/2006/main" xmlns:r="http://schemas.openxmlformats.org/officeDocument/2006/relationships">
-  <a:themeElements>
-    <a:clrScheme name="Default">
-      <a:dk1>
-        <a:srgbClr val="000000"/>
-      </a:dk1>
-      <a:lt1>
-        <a:srgbClr val="FFFFFF"/>
-      </a:lt1>
-      <a:dk2>
-        <a:srgbClr val="158158"/>
-      </a:dk2>
-      <a:lt2>
-        <a:srgbClr val="F3F3F3"/>
-      </a:lt2>
-      <a:accent1>
-        <a:srgbClr val="058DC7"/>
-      </a:accent1>
-      <a:accent2>
-        <a:srgbClr val="50B432"/>
-      </a:accent2>
-      <a:accent3>
-        <a:srgbClr val="ED561B"/>
-      </a:accent3>
-      <a:accent4>
-        <a:srgbClr val="EDEF00"/>
-      </a:accent4>
-      <a:accent5>
-        <a:srgbClr val="24CBE5"/>
-      </a:accent5>
-      <a:accent6>
-        <a:srgbClr val="64E572"/>
-      </a:accent6>
-      <a:hlink>
-        <a:srgbClr val="2200CC"/>
-      </a:hlink>
-      <a:folHlink>
-        <a:srgbClr val="551A8B"/>
-      </a:folHlink>
-    </a:clrScheme>
-    <a:fontScheme name="Office">
-      <a:majorFont>
-        <a:latin typeface="Arial"/>
-        <a:ea typeface=""/>
-        <a:cs typeface=""/>
-        <a:font script="Jpan" typeface="ＭＳ Ｐゴシック"/>
-        <a:font script="Hang" typeface="맑은 고딕"/>
-        <a:font script="Hans" typeface="宋体"/>
-        <a:font script="Hant" typeface="新細明體"/>
-        <a:font script="Arab" typeface="Times New Roman"/>
-        <a:font script="Hebr" typeface="Times New Roman"/>
-        <a:font script="Thai" typeface="Angsana New"/>
-        <a:font script="Ethi" typeface="Nyala"/>
-        <a:font script="Beng" typeface="Vrinda"/>
-        <a:font script="Gujr" typeface="Shruti"/>
-        <a:font script="Khmr" typeface="MoolBoran"/>
-        <a:font script="Knda" typeface="Tunga"/>
-        <a:font script="Guru" typeface="Raavi"/>
-        <a:font script="Cans" typeface="Euphemia"/>
-        <a:font script="Cher" typeface="Plantagenet Cherokee"/>
-        <a:font script="Yiii" typeface="Microsoft Yi Baiti"/>
-        <a:font script="Tibt" typeface="Microsoft Himalaya"/>
-        <a:font script="Thaa" typeface="MV Boli"/>
-        <a:font script="Deva" typeface="Mangal"/>
-        <a:font script="Telu" typeface="Gautami"/>
-        <a:font script="Taml" typeface="Latha"/>
-        <a:font script="Syrc" typeface="Estrangelo Edessa"/>
-        <a:font script="Orya" typeface="Kalinga"/>
-        <a:font script="Mlym" typeface="Kartika"/>
-        <a:font script="Laoo" typeface="DokChampa"/>
-        <a:font script="Sinh" typeface="Iskoola Pota"/>
-        <a:font script="Mong" typeface="Mongolian Baiti"/>
-        <a:font script="Viet" typeface="Times New Roman"/>
-        <a:font script="Uigh" typeface="Microsoft Uighur"/>
-        <a:font script="Geor" typeface="Sylfaen"/>
-      </a:majorFont>
-      <a:minorFont>
-        <a:latin typeface="Arial"/>
-        <a:ea typeface=""/>
-        <a:cs typeface=""/>
-        <a:font script="Jpan" typeface="ＭＳ Ｐゴシック"/>
-        <a:font script="Hang" typeface="맑은 고딕"/>
-        <a:font script="Hans" typeface="宋体"/>
-        <a:font script="Hant" typeface="新細明體"/>
-        <a:font script="Arab" typeface="Arial"/>
-        <a:font script="Hebr" typeface="Arial"/>
-        <a:font script="Thai" typeface="Cordia New"/>
-        <a:font script="Ethi" typeface="Nyala"/>
-        <a:font script="Beng" typeface="Vrinda"/>
-        <a:font script="Gujr" typeface="Shruti"/>
-        <a:font script="Khmr" typeface="DaunPenh"/>
-        <a:font script="Knda" typeface="Tunga"/>
-        <a:font script="Guru" typeface="Raavi"/>
-        <a:font script="Cans" typeface="Euphemia"/>
-        <a:font script="Cher" typeface="Plantagenet Cherokee"/>
-        <a:font script="Yiii" typeface="Microsoft Yi Baiti"/>
-        <a:font script="Tibt" typeface="Microsoft Himalaya"/>
-        <a:font script="Thaa" typeface="MV Boli"/>
-        <a:font script="Deva" typeface="Mangal"/>
-        <a:font script="Telu" typeface="Gautami"/>
-        <a:font script="Taml" typeface="Latha"/>
-        <a:font script="Syrc" typeface="Estrangelo Edessa"/>
-        <a:font script="Orya" typeface="Kalinga"/>
-        <a:font script="Mlym" typeface="Kartika"/>
-        <a:font script="Laoo" typeface="DokChampa"/>
-        <a:font script="Sinh" typeface="Iskoola Pota"/>
-        <a:font script="Mong" typeface="Mongolian Baiti"/>
-        <a:font script="Viet" typeface="Arial"/>
-        <a:font script="Uigh" typeface="Microsoft Uighur"/>
-        <a:font script="Geor" typeface="Sylfaen"/>
-      </a:minorFont>
-    </a:fontScheme>
-    <a:fmtScheme name="Office">
-      <a:fillStyleLst>
-        <a:solidFill>
-          <a:schemeClr val="phClr"/>
-        </a:solidFill>
-        <a:gradFill rotWithShape="1">
-          <a:gsLst>
-            <a:gs pos="0">
-              <a:schemeClr val="phClr">
-                <a:tint val="50000"/>
-                <a:satMod val="300000"/>
-              </a:schemeClr>
-            </a:gs>
-            <a:gs pos="35000">
-              <a:schemeClr val="phClr">
-                <a:tint val="37000"/>
-                <a:satMod val="300000"/>
-              </a:schemeClr>
-            </a:gs>
-            <a:gs pos="100000">
-              <a:schemeClr val="phClr">
-                <a:tint val="15000"/>
-                <a:satMod val="350000"/>
-              </a:schemeClr>
-            </a:gs>
-          </a:gsLst>
-          <a:lin ang="16200000" scaled="1"/>
-        </a:gradFill>
-        <a:gradFill rotWithShape="1">
-          <a:gsLst>
-            <a:gs pos="0">
-              <a:schemeClr val="phClr">
-                <a:tint val="100000"/>
-                <a:shade val="100000"/>
-                <a:satMod val="130000"/>
-              </a:schemeClr>
-            </a:gs>
-            <a:gs pos="100000">
-              <a:schemeClr val="phClr">
-                <a:tint val="50000"/>
-                <a:shade val="100000"/>
-                <a:satMod val="350000"/>
-              </a:schemeClr>
-            </a:gs>
-          </a:gsLst>
-          <a:lin ang="16200000" scaled="0"/>
-        </a:gradFill>
-      </a:fillStyleLst>
-      <a:lnStyleLst>
-        <a:ln w="9525" cap="flat" cmpd="sng" algn="ctr">
-          <a:solidFill>
-            <a:schemeClr val="phClr">
-              <a:shade val="95000"/>
-              <a:satMod val="105000"/>
-            </a:schemeClr>
-          </a:solidFill>
-          <a:prstDash val="solid"/>
-        </a:ln>
-        <a:ln w="25400" cap="flat" cmpd="sng" algn="ctr">
-          <a:solidFill>
-            <a:schemeClr val="phClr"/>
-          </a:solidFill>
-          <a:prstDash val="solid"/>
-        </a:ln>
-        <a:ln w="38100" cap="flat" cmpd="sng" algn="ctr">
-          <a:solidFill>
-            <a:schemeClr val="phClr"/>
-          </a:solidFill>
-          <a:prstDash val="solid"/>
-        </a:ln>
-      </a:lnStyleLst>
-      <a:effectStyleLst>
-        <a:effectStyle>
-          <a:effectLst>
-            <a:outerShdw blurRad="40000" dist="20000" dir="5400000" rotWithShape="0">
-              <a:srgbClr val="000000">
-                <a:alpha val="38000"/>
-              </a:srgbClr>
-            </a:outerShdw>
-          </a:effectLst>
-        </a:effectStyle>
-        <a:effectStyle>
-          <a:effectLst>
-            <a:outerShdw blurRad="40000" dist="23000" dir="5400000" rotWithShape="0">
-              <a:srgbClr val="000000">
-                <a:alpha val="35000"/>
-              </a:srgbClr>
-            </a:outerShdw>
-          </a:effectLst>
-        </a:effectStyle>
-        <a:effectStyle>
-          <a:effectLst>
-            <a:outerShdw blurRad="40000" dist="23000" dir="5400000" rotWithShape="0">
-              <a:srgbClr val="000000">
-                <a:alpha val="35000"/>
-              </a:srgbClr>
-            </a:outerShdw>
-          </a:effectLst>
-          <a:scene3d>
-            <a:camera prst="orthographicFront">
-              <a:rot lat="0" lon="0" rev="0"/>
-            </a:camera>
-            <a:lightRig rig="threePt" dir="t">
-              <a:rot lat="0" lon="0" rev="1200000"/>
-            </a:lightRig>
-          </a:scene3d>
-          <a:sp3d>
-            <a:bevelT w="63500" h="25400"/>
-          </a:sp3d>
-        </a:effectStyle>
-      </a:effectStyleLst>
-      <a:bgFillStyleLst>
-        <a:solidFill>
-          <a:schemeClr val="phClr"/>
-        </a:solidFill>
-        <a:gradFill rotWithShape="1">
-          <a:gsLst>
-            <a:gs pos="0">
-              <a:schemeClr val="phClr">
-                <a:tint val="40000"/>
-                <a:satMod val="350000"/>
-              </a:schemeClr>
-            </a:gs>
-            <a:gs pos="40000">
-              <a:schemeClr val="phClr">
-                <a:tint val="45000"/>
-                <a:shade val="99000"/>
-                <a:satMod val="350000"/>
-              </a:schemeClr>
-            </a:gs>
-            <a:gs pos="100000">
-              <a:schemeClr val="phClr">
-                <a:shade val="20000"/>
-                <a:satMod val="255000"/>
-              </a:schemeClr>
-            </a:gs>
-          </a:gsLst>
-          <a:path path="circle">
-            <a:fillToRect l="50000" t="-80000" r="50000" b="180000"/>
-          </a:path>
-        </a:gradFill>
-        <a:gradFill rotWithShape="1">
-          <a:gsLst>
-            <a:gs pos="0">
-              <a:schemeClr val="phClr">
-                <a:tint val="80000"/>
-                <a:satMod val="300000"/>
-              </a:schemeClr>
-            </a:gs>
-            <a:gs pos="100000">
-              <a:schemeClr val="phClr">
-                <a:shade val="30000"/>
-                <a:satMod val="200000"/>
-              </a:schemeClr>
-            </a:gs>
-          </a:gsLst>
-          <a:path path="circle">
-            <a:fillToRect l="50000" t="50000" r="50000" b="50000"/>
-          </a:path>
-        </a:gradFill>
-      </a:bgFillStyleLst>
-    </a:fmtScheme>
-  </a:themeElements>
-</a:theme>
 </file>